--- a/Clases/05-ArchitectureEvaluation/SoftwareArchitecture-ArchitectureEvaluation.pptx
+++ b/Clases/05-ArchitectureEvaluation/SoftwareArchitecture-ArchitectureEvaluation.pptx
@@ -285,7 +285,7 @@
           <a:p>
             <a:fld id="{4878D3D5-9CEC-4D72-8961-06C64553987A}" type="datetimeFigureOut">
               <a:rPr lang="en-US" smtClean="0"/>
-              <a:t>5/2/2025</a:t>
+              <a:t>5/21/2025</a:t>
             </a:fld>
             <a:endParaRPr lang="en-US"/>
           </a:p>
@@ -598,7 +598,7 @@
           <a:p>
             <a:r>
               <a:rPr lang="es-CO" dirty="0"/>
-              <a:t>Bienvenidos a esta presentación sobre Arquitectura de Software. Exploraremos el diseño de arquitecturas robustas y eficientes</a:t>
+              <a:t>Bienvenidos a esta presentación sobre Arquitectura de Software. En donde veremos el proceso de evaluación de arquitecturas de sistemas que ya están funcionando y entenderemos los puntos clave a tener en cuenta en este tipo de proceso.</a:t>
             </a:r>
           </a:p>
         </p:txBody>
@@ -2736,16 +2736,13 @@
             </a:pPr>
             <a:r>
               <a:rPr lang="es-CO" dirty="0"/>
-              <a:t>Comenzaremos utilizando la frase de Max </a:t>
-            </a:r>
-            <a:r>
-              <a:rPr lang="es-CO" dirty="0" err="1"/>
-              <a:t>Euwe</a:t>
-            </a:r>
-            <a:r>
-              <a:rPr lang="es-CO" dirty="0"/>
-              <a:t>, campeón mundial de ajedrez.</a:t>
-            </a:r>
+              <a:t>Comenzaremos utilizando la siguiente frase: “</a:t>
+            </a:r>
+            <a:r>
+              <a:rPr lang="es-ES" dirty="0"/>
+              <a:t>Si no evalúas tu arquitectura, no estás haciendo arquitectura: sólo estás esperando lo mejor.”</a:t>
+            </a:r>
+            <a:endParaRPr lang="es-CO" dirty="0"/>
           </a:p>
           <a:p>
             <a:pPr marL="0" marR="0" lvl="0" indent="0" algn="l" defTabSz="914400" rtl="0" eaLnBrk="1" fontAlgn="auto" latinLnBrk="0" hangingPunct="1">
@@ -2765,10 +2762,50 @@
               <a:tabLst/>
               <a:defRPr/>
             </a:pPr>
+            <a:endParaRPr lang="es-CO" dirty="0"/>
+          </a:p>
+          <a:p>
+            <a:pPr marL="0" marR="0" lvl="0" indent="0" algn="l" defTabSz="914400" rtl="0" eaLnBrk="1" fontAlgn="auto" latinLnBrk="0" hangingPunct="1">
+              <a:lnSpc>
+                <a:spcPct val="100000"/>
+              </a:lnSpc>
+              <a:spcBef>
+                <a:spcPts val="0"/>
+              </a:spcBef>
+              <a:spcAft>
+                <a:spcPts val="0"/>
+              </a:spcAft>
+              <a:buClrTx/>
+              <a:buSzTx/>
+              <a:buFontTx/>
+              <a:buNone/>
+              <a:tabLst/>
+              <a:defRPr/>
+            </a:pPr>
             <a:r>
               <a:rPr lang="es-CO" dirty="0"/>
-              <a:t>La estrategia requiere reflexión, la táctica requiere observación. Este es un principio clave en el diseño arquitectura de software.</a:t>
-            </a:r>
+              <a:t>del libro de “Arquitectura de Software en Practica”, </a:t>
+            </a:r>
+          </a:p>
+          <a:p>
+            <a:pPr marL="0" marR="0" lvl="0" indent="0" algn="l" defTabSz="914400" rtl="0" eaLnBrk="1" fontAlgn="auto" latinLnBrk="0" hangingPunct="1">
+              <a:lnSpc>
+                <a:spcPct val="100000"/>
+              </a:lnSpc>
+              <a:spcBef>
+                <a:spcPts val="0"/>
+              </a:spcBef>
+              <a:spcAft>
+                <a:spcPts val="0"/>
+              </a:spcAft>
+              <a:buClrTx/>
+              <a:buSzTx/>
+              <a:buFontTx/>
+              <a:buNone/>
+              <a:tabLst/>
+              <a:defRPr/>
+            </a:pPr>
+            <a:endParaRPr lang="es-CO" dirty="0"/>
           </a:p>
           <a:p>
             <a:endParaRPr lang="es-CO" dirty="0"/>
@@ -7210,7 +7247,7 @@
           <a:p>
             <a:fld id="{5D7C6876-A6E7-1843-987D-7573B8E4B848}" type="datetimeFigureOut">
               <a:rPr lang="es-CO" smtClean="0"/>
-              <a:t>2/05/2025</a:t>
+              <a:t>21/05/2025</a:t>
             </a:fld>
             <a:endParaRPr lang="es-CO"/>
           </a:p>
@@ -7444,7 +7481,7 @@
           <a:p>
             <a:fld id="{5D7C6876-A6E7-1843-987D-7573B8E4B848}" type="datetimeFigureOut">
               <a:rPr lang="es-CO" smtClean="0"/>
-              <a:t>2/05/2025</a:t>
+              <a:t>21/05/2025</a:t>
             </a:fld>
             <a:endParaRPr lang="es-CO"/>
           </a:p>
@@ -7652,7 +7689,7 @@
           <a:p>
             <a:fld id="{5D7C6876-A6E7-1843-987D-7573B8E4B848}" type="datetimeFigureOut">
               <a:rPr lang="es-CO" smtClean="0"/>
-              <a:t>2/05/2025</a:t>
+              <a:t>21/05/2025</a:t>
             </a:fld>
             <a:endParaRPr lang="es-CO"/>
           </a:p>
@@ -7952,7 +7989,7 @@
           <a:p>
             <a:fld id="{5D7C6876-A6E7-1843-987D-7573B8E4B848}" type="datetimeFigureOut">
               <a:rPr lang="es-CO" smtClean="0"/>
-              <a:t>2/05/2025</a:t>
+              <a:t>21/05/2025</a:t>
             </a:fld>
             <a:endParaRPr lang="es-CO"/>
           </a:p>
@@ -8225,7 +8262,7 @@
           <a:p>
             <a:fld id="{5D7C6876-A6E7-1843-987D-7573B8E4B848}" type="datetimeFigureOut">
               <a:rPr lang="es-CO" smtClean="0"/>
-              <a:t>2/05/2025</a:t>
+              <a:t>21/05/2025</a:t>
             </a:fld>
             <a:endParaRPr lang="es-CO"/>
           </a:p>
@@ -8571,7 +8608,7 @@
           <a:p>
             <a:fld id="{5D7C6876-A6E7-1843-987D-7573B8E4B848}" type="datetimeFigureOut">
               <a:rPr lang="es-CO" smtClean="0"/>
-              <a:t>2/05/2025</a:t>
+              <a:t>21/05/2025</a:t>
             </a:fld>
             <a:endParaRPr lang="es-CO"/>
           </a:p>
@@ -9118,7 +9155,7 @@
           <a:p>
             <a:fld id="{5D7C6876-A6E7-1843-987D-7573B8E4B848}" type="datetimeFigureOut">
               <a:rPr lang="es-CO" smtClean="0"/>
-              <a:t>2/05/2025</a:t>
+              <a:t>21/05/2025</a:t>
             </a:fld>
             <a:endParaRPr lang="es-CO"/>
           </a:p>
@@ -9463,7 +9500,7 @@
           <a:p>
             <a:fld id="{5D7C6876-A6E7-1843-987D-7573B8E4B848}" type="datetimeFigureOut">
               <a:rPr lang="es-CO" smtClean="0"/>
-              <a:t>2/05/2025</a:t>
+              <a:t>21/05/2025</a:t>
             </a:fld>
             <a:endParaRPr lang="es-CO"/>
           </a:p>
@@ -9837,7 +9874,7 @@
           <a:p>
             <a:fld id="{5D7C6876-A6E7-1843-987D-7573B8E4B848}" type="datetimeFigureOut">
               <a:rPr lang="es-CO" smtClean="0"/>
-              <a:t>2/05/2025</a:t>
+              <a:t>21/05/2025</a:t>
             </a:fld>
             <a:endParaRPr lang="es-CO"/>
           </a:p>
@@ -10204,7 +10241,7 @@
           <a:p>
             <a:fld id="{99C80EB1-3F7A-44A9-BF6E-5E1E469E7BE5}" type="datetimeFigureOut">
               <a:rPr lang="en-US" smtClean="0"/>
-              <a:t>5/2/2025</a:t>
+              <a:t>5/21/2025</a:t>
             </a:fld>
             <a:endParaRPr lang="en-US"/>
           </a:p>
@@ -10508,7 +10545,7 @@
           <a:p>
             <a:fld id="{99C80EB1-3F7A-44A9-BF6E-5E1E469E7BE5}" type="datetimeFigureOut">
               <a:rPr lang="en-US" smtClean="0"/>
-              <a:t>5/2/2025</a:t>
+              <a:t>5/21/2025</a:t>
             </a:fld>
             <a:endParaRPr lang="en-US"/>
           </a:p>
@@ -10828,7 +10865,7 @@
           <a:p>
             <a:fld id="{5D7C6876-A6E7-1843-987D-7573B8E4B848}" type="datetimeFigureOut">
               <a:rPr lang="es-CO" smtClean="0"/>
-              <a:t>2/05/2025</a:t>
+              <a:t>21/05/2025</a:t>
             </a:fld>
             <a:endParaRPr lang="es-CO"/>
           </a:p>
@@ -11155,7 +11192,7 @@
           <a:p>
             <a:fld id="{99C80EB1-3F7A-44A9-BF6E-5E1E469E7BE5}" type="datetimeFigureOut">
               <a:rPr lang="en-US" smtClean="0"/>
-              <a:t>5/2/2025</a:t>
+              <a:t>5/21/2025</a:t>
             </a:fld>
             <a:endParaRPr lang="en-US"/>
           </a:p>
@@ -11420,7 +11457,7 @@
           <a:p>
             <a:fld id="{99C80EB1-3F7A-44A9-BF6E-5E1E469E7BE5}" type="datetimeFigureOut">
               <a:rPr lang="en-US" smtClean="0"/>
-              <a:t>5/2/2025</a:t>
+              <a:t>5/21/2025</a:t>
             </a:fld>
             <a:endParaRPr lang="en-US"/>
           </a:p>
@@ -11832,7 +11869,7 @@
           <a:p>
             <a:fld id="{99C80EB1-3F7A-44A9-BF6E-5E1E469E7BE5}" type="datetimeFigureOut">
               <a:rPr lang="en-US" smtClean="0"/>
-              <a:t>5/2/2025</a:t>
+              <a:t>5/21/2025</a:t>
             </a:fld>
             <a:endParaRPr lang="en-US"/>
           </a:p>
@@ -11973,7 +12010,7 @@
           <a:p>
             <a:fld id="{99C80EB1-3F7A-44A9-BF6E-5E1E469E7BE5}" type="datetimeFigureOut">
               <a:rPr lang="en-US" smtClean="0"/>
-              <a:t>5/2/2025</a:t>
+              <a:t>5/21/2025</a:t>
             </a:fld>
             <a:endParaRPr lang="en-US"/>
           </a:p>
@@ -12086,7 +12123,7 @@
           <a:p>
             <a:fld id="{99C80EB1-3F7A-44A9-BF6E-5E1E469E7BE5}" type="datetimeFigureOut">
               <a:rPr lang="en-US" smtClean="0"/>
-              <a:t>5/2/2025</a:t>
+              <a:t>5/21/2025</a:t>
             </a:fld>
             <a:endParaRPr lang="en-US"/>
           </a:p>
@@ -12397,7 +12434,7 @@
           <a:p>
             <a:fld id="{99C80EB1-3F7A-44A9-BF6E-5E1E469E7BE5}" type="datetimeFigureOut">
               <a:rPr lang="en-US" smtClean="0"/>
-              <a:t>5/2/2025</a:t>
+              <a:t>5/21/2025</a:t>
             </a:fld>
             <a:endParaRPr lang="en-US"/>
           </a:p>
@@ -12688,7 +12725,7 @@
           <a:p>
             <a:fld id="{99C80EB1-3F7A-44A9-BF6E-5E1E469E7BE5}" type="datetimeFigureOut">
               <a:rPr lang="en-US" smtClean="0"/>
-              <a:t>5/2/2025</a:t>
+              <a:t>5/21/2025</a:t>
             </a:fld>
             <a:endParaRPr lang="en-US"/>
           </a:p>
@@ -12886,7 +12923,7 @@
           <a:p>
             <a:fld id="{99C80EB1-3F7A-44A9-BF6E-5E1E469E7BE5}" type="datetimeFigureOut">
               <a:rPr lang="en-US" smtClean="0"/>
-              <a:t>5/2/2025</a:t>
+              <a:t>5/21/2025</a:t>
             </a:fld>
             <a:endParaRPr lang="en-US"/>
           </a:p>
@@ -13094,7 +13131,7 @@
           <a:p>
             <a:fld id="{99C80EB1-3F7A-44A9-BF6E-5E1E469E7BE5}" type="datetimeFigureOut">
               <a:rPr lang="en-US" smtClean="0"/>
-              <a:t>5/2/2025</a:t>
+              <a:t>5/21/2025</a:t>
             </a:fld>
             <a:endParaRPr lang="en-US"/>
           </a:p>
@@ -13394,7 +13431,7 @@
           <a:p>
             <a:fld id="{99C80EB1-3F7A-44A9-BF6E-5E1E469E7BE5}" type="datetimeFigureOut">
               <a:rPr lang="en-US" smtClean="0"/>
-              <a:t>5/2/2025</a:t>
+              <a:t>5/21/2025</a:t>
             </a:fld>
             <a:endParaRPr lang="en-US"/>
           </a:p>
@@ -13815,7 +13852,7 @@
           <a:p>
             <a:fld id="{5D7C6876-A6E7-1843-987D-7573B8E4B848}" type="datetimeFigureOut">
               <a:rPr lang="es-CO" smtClean="0"/>
-              <a:t>2/05/2025</a:t>
+              <a:t>21/05/2025</a:t>
             </a:fld>
             <a:endParaRPr lang="es-CO"/>
           </a:p>
@@ -13942,7 +13979,7 @@
           <a:p>
             <a:fld id="{99C80EB1-3F7A-44A9-BF6E-5E1E469E7BE5}" type="datetimeFigureOut">
               <a:rPr lang="en-US" smtClean="0"/>
-              <a:t>5/2/2025</a:t>
+              <a:t>5/21/2025</a:t>
             </a:fld>
             <a:endParaRPr lang="en-US"/>
           </a:p>
@@ -14309,7 +14346,7 @@
           <a:p>
             <a:fld id="{99C80EB1-3F7A-44A9-BF6E-5E1E469E7BE5}" type="datetimeFigureOut">
               <a:rPr lang="en-US" smtClean="0"/>
-              <a:t>5/2/2025</a:t>
+              <a:t>5/21/2025</a:t>
             </a:fld>
             <a:endParaRPr lang="en-US"/>
           </a:p>
@@ -14613,7 +14650,7 @@
           <a:p>
             <a:fld id="{99C80EB1-3F7A-44A9-BF6E-5E1E469E7BE5}" type="datetimeFigureOut">
               <a:rPr lang="en-US" smtClean="0"/>
-              <a:t>5/2/2025</a:t>
+              <a:t>5/21/2025</a:t>
             </a:fld>
             <a:endParaRPr lang="en-US"/>
           </a:p>
@@ -14940,7 +14977,7 @@
           <a:p>
             <a:fld id="{99C80EB1-3F7A-44A9-BF6E-5E1E469E7BE5}" type="datetimeFigureOut">
               <a:rPr lang="en-US" smtClean="0"/>
-              <a:t>5/2/2025</a:t>
+              <a:t>5/21/2025</a:t>
             </a:fld>
             <a:endParaRPr lang="en-US"/>
           </a:p>
@@ -15205,7 +15242,7 @@
           <a:p>
             <a:fld id="{99C80EB1-3F7A-44A9-BF6E-5E1E469E7BE5}" type="datetimeFigureOut">
               <a:rPr lang="en-US" smtClean="0"/>
-              <a:t>5/2/2025</a:t>
+              <a:t>5/21/2025</a:t>
             </a:fld>
             <a:endParaRPr lang="en-US"/>
           </a:p>
@@ -15617,7 +15654,7 @@
           <a:p>
             <a:fld id="{99C80EB1-3F7A-44A9-BF6E-5E1E469E7BE5}" type="datetimeFigureOut">
               <a:rPr lang="en-US" smtClean="0"/>
-              <a:t>5/2/2025</a:t>
+              <a:t>5/21/2025</a:t>
             </a:fld>
             <a:endParaRPr lang="en-US"/>
           </a:p>
@@ -15758,7 +15795,7 @@
           <a:p>
             <a:fld id="{99C80EB1-3F7A-44A9-BF6E-5E1E469E7BE5}" type="datetimeFigureOut">
               <a:rPr lang="en-US" smtClean="0"/>
-              <a:t>5/2/2025</a:t>
+              <a:t>5/21/2025</a:t>
             </a:fld>
             <a:endParaRPr lang="en-US"/>
           </a:p>
@@ -15871,7 +15908,7 @@
           <a:p>
             <a:fld id="{99C80EB1-3F7A-44A9-BF6E-5E1E469E7BE5}" type="datetimeFigureOut">
               <a:rPr lang="en-US" smtClean="0"/>
-              <a:t>5/2/2025</a:t>
+              <a:t>5/21/2025</a:t>
             </a:fld>
             <a:endParaRPr lang="en-US"/>
           </a:p>
@@ -16182,7 +16219,7 @@
           <a:p>
             <a:fld id="{99C80EB1-3F7A-44A9-BF6E-5E1E469E7BE5}" type="datetimeFigureOut">
               <a:rPr lang="en-US" smtClean="0"/>
-              <a:t>5/2/2025</a:t>
+              <a:t>5/21/2025</a:t>
             </a:fld>
             <a:endParaRPr lang="en-US"/>
           </a:p>
@@ -16473,7 +16510,7 @@
           <a:p>
             <a:fld id="{99C80EB1-3F7A-44A9-BF6E-5E1E469E7BE5}" type="datetimeFigureOut">
               <a:rPr lang="en-US" smtClean="0"/>
-              <a:t>5/2/2025</a:t>
+              <a:t>5/21/2025</a:t>
             </a:fld>
             <a:endParaRPr lang="en-US"/>
           </a:p>
@@ -16738,7 +16775,7 @@
           <a:p>
             <a:fld id="{5D7C6876-A6E7-1843-987D-7573B8E4B848}" type="datetimeFigureOut">
               <a:rPr lang="es-CO" smtClean="0"/>
-              <a:t>2/05/2025</a:t>
+              <a:t>21/05/2025</a:t>
             </a:fld>
             <a:endParaRPr lang="es-CO"/>
           </a:p>
@@ -16936,7 +16973,7 @@
           <a:p>
             <a:fld id="{99C80EB1-3F7A-44A9-BF6E-5E1E469E7BE5}" type="datetimeFigureOut">
               <a:rPr lang="en-US" smtClean="0"/>
-              <a:t>5/2/2025</a:t>
+              <a:t>5/21/2025</a:t>
             </a:fld>
             <a:endParaRPr lang="en-US"/>
           </a:p>
@@ -17144,7 +17181,7 @@
           <a:p>
             <a:fld id="{99C80EB1-3F7A-44A9-BF6E-5E1E469E7BE5}" type="datetimeFigureOut">
               <a:rPr lang="en-US" smtClean="0"/>
-              <a:t>5/2/2025</a:t>
+              <a:t>5/21/2025</a:t>
             </a:fld>
             <a:endParaRPr lang="en-US"/>
           </a:p>
@@ -17444,7 +17481,7 @@
           <a:p>
             <a:fld id="{99C80EB1-3F7A-44A9-BF6E-5E1E469E7BE5}" type="datetimeFigureOut">
               <a:rPr lang="en-US" smtClean="0"/>
-              <a:t>5/2/2025</a:t>
+              <a:t>5/21/2025</a:t>
             </a:fld>
             <a:endParaRPr lang="en-US"/>
           </a:p>
@@ -18002,7 +18039,7 @@
           <a:p>
             <a:fld id="{5D7C6876-A6E7-1843-987D-7573B8E4B848}" type="datetimeFigureOut">
               <a:rPr lang="es-CO" smtClean="0"/>
-              <a:t>2/05/2025</a:t>
+              <a:t>21/05/2025</a:t>
             </a:fld>
             <a:endParaRPr lang="es-CO"/>
           </a:p>
@@ -18143,7 +18180,7 @@
           <a:p>
             <a:fld id="{5D7C6876-A6E7-1843-987D-7573B8E4B848}" type="datetimeFigureOut">
               <a:rPr lang="es-CO" smtClean="0"/>
-              <a:t>2/05/2025</a:t>
+              <a:t>21/05/2025</a:t>
             </a:fld>
             <a:endParaRPr lang="es-CO"/>
           </a:p>
@@ -18256,7 +18293,7 @@
           <a:p>
             <a:fld id="{5D7C6876-A6E7-1843-987D-7573B8E4B848}" type="datetimeFigureOut">
               <a:rPr lang="es-CO" smtClean="0"/>
-              <a:t>2/05/2025</a:t>
+              <a:t>21/05/2025</a:t>
             </a:fld>
             <a:endParaRPr lang="es-CO"/>
           </a:p>
@@ -18567,7 +18604,7 @@
           <a:p>
             <a:fld id="{5D7C6876-A6E7-1843-987D-7573B8E4B848}" type="datetimeFigureOut">
               <a:rPr lang="es-CO" smtClean="0"/>
-              <a:t>2/05/2025</a:t>
+              <a:t>21/05/2025</a:t>
             </a:fld>
             <a:endParaRPr lang="es-CO"/>
           </a:p>
@@ -18858,7 +18895,7 @@
           <a:p>
             <a:fld id="{5D7C6876-A6E7-1843-987D-7573B8E4B848}" type="datetimeFigureOut">
               <a:rPr lang="es-CO" smtClean="0"/>
-              <a:t>2/05/2025</a:t>
+              <a:t>21/05/2025</a:t>
             </a:fld>
             <a:endParaRPr lang="es-CO"/>
           </a:p>
@@ -19099,7 +19136,7 @@
           <a:p>
             <a:fld id="{5D7C6876-A6E7-1843-987D-7573B8E4B848}" type="datetimeFigureOut">
               <a:rPr lang="es-CO" smtClean="0"/>
-              <a:t>2/05/2025</a:t>
+              <a:t>21/05/2025</a:t>
             </a:fld>
             <a:endParaRPr lang="es-CO"/>
           </a:p>
@@ -19689,7 +19726,7 @@
           <a:p>
             <a:fld id="{99C80EB1-3F7A-44A9-BF6E-5E1E469E7BE5}" type="datetimeFigureOut">
               <a:rPr lang="en-US" smtClean="0"/>
-              <a:t>5/2/2025</a:t>
+              <a:t>5/21/2025</a:t>
             </a:fld>
             <a:endParaRPr lang="en-US"/>
           </a:p>
@@ -20275,7 +20312,7 @@
           <a:p>
             <a:fld id="{99C80EB1-3F7A-44A9-BF6E-5E1E469E7BE5}" type="datetimeFigureOut">
               <a:rPr lang="en-US" smtClean="0"/>
-              <a:t>5/2/2025</a:t>
+              <a:t>5/21/2025</a:t>
             </a:fld>
             <a:endParaRPr lang="en-US"/>
           </a:p>
@@ -20932,7 +20969,7 @@
         <p:spPr>
           <a:xfrm>
             <a:off x="467399" y="3732126"/>
-            <a:ext cx="4452471" cy="707886"/>
+            <a:ext cx="5185256" cy="707886"/>
           </a:xfrm>
           <a:prstGeom prst="rect">
             <a:avLst/>
@@ -20953,7 +20990,7 @@
                 </a:solidFill>
                 <a:latin typeface="+mn-lt"/>
               </a:rPr>
-              <a:t>Architectural</a:t>
+              <a:t>Architecture</a:t>
             </a:r>
             <a:r>
               <a:rPr lang="es-CO" sz="4000" b="1" dirty="0">
@@ -20971,7 +21008,7 @@
                 </a:solidFill>
                 <a:latin typeface="+mn-lt"/>
               </a:rPr>
-              <a:t>Design</a:t>
+              <a:t>Evaluation</a:t>
             </a:r>
             <a:endParaRPr lang="es-CO" sz="4000" dirty="0">
               <a:solidFill>
@@ -23395,47 +23432,44 @@
       </p:grpSpPr>
       <p:pic>
         <p:nvPicPr>
-          <p:cNvPr id="1026" name="Picture 2" descr="Football tactics board - Planet Football">
-            <a:extLst>
-              <a:ext uri="{FF2B5EF4-FFF2-40B4-BE49-F238E27FC236}">
-                <a16:creationId xmlns:a16="http://schemas.microsoft.com/office/drawing/2014/main" id="{7830FB4D-FACE-6CA2-A02A-22BE4C9BBAC6}"/>
+          <p:cNvPr id="11" name="Picture 10" descr="A hand holding a tablet with icons on it">
+            <a:extLst>
+              <a:ext uri="{FF2B5EF4-FFF2-40B4-BE49-F238E27FC236}">
+                <a16:creationId xmlns:a16="http://schemas.microsoft.com/office/drawing/2014/main" id="{D1D8446D-83DE-82E7-561A-49C8A515EB06}"/>
               </a:ext>
             </a:extLst>
           </p:cNvPr>
           <p:cNvPicPr>
-            <a:picLocks noChangeAspect="1" noChangeArrowheads="1"/>
+            <a:picLocks noChangeAspect="1"/>
           </p:cNvPicPr>
           <p:nvPr/>
         </p:nvPicPr>
-        <p:blipFill rotWithShape="1">
+        <p:blipFill>
           <a:blip r:embed="rId3">
             <a:extLst>
-              <a:ext uri="{28A0092B-C50C-407E-A947-70E740481C1C}">
-                <a14:useLocalDpi xmlns:a14="http://schemas.microsoft.com/office/drawing/2010/main" val="0"/>
+              <a:ext uri="{BEBA8EAE-BF5A-486C-A8C5-ECC9F3942E4B}">
+                <a14:imgProps xmlns:a14="http://schemas.microsoft.com/office/drawing/2010/main">
+                  <a14:imgLayer r:embed="rId4">
+                    <a14:imgEffect>
+                      <a14:saturation sat="33000"/>
+                    </a14:imgEffect>
+                  </a14:imgLayer>
+                </a14:imgProps>
               </a:ext>
             </a:extLst>
           </a:blip>
-          <a:srcRect l="6667"/>
-          <a:stretch/>
+          <a:stretch>
+            <a:fillRect/>
+          </a:stretch>
         </p:blipFill>
-        <p:spPr bwMode="auto">
+        <p:spPr>
           <a:xfrm>
-            <a:off x="-3047" y="10"/>
-            <a:ext cx="12191999" cy="6857990"/>
+            <a:off x="0" y="0"/>
+            <a:ext cx="12192000" cy="6858000"/>
           </a:xfrm>
           <a:prstGeom prst="rect">
             <a:avLst/>
           </a:prstGeom>
-          <a:noFill/>
-          <a:extLst>
-            <a:ext uri="{909E8E84-426E-40DD-AFC4-6F175D3DCCD1}">
-              <a14:hiddenFill xmlns:a14="http://schemas.microsoft.com/office/drawing/2010/main">
-                <a:solidFill>
-                  <a:srgbClr val="FFFFFF"/>
-                </a:solidFill>
-              </a14:hiddenFill>
-            </a:ext>
-          </a:extLst>
         </p:spPr>
       </p:pic>
       <p:sp>
@@ -23456,8 +23490,8 @@
         </p:nvSpPr>
         <p:spPr>
           <a:xfrm>
-            <a:off x="1097280" y="325550"/>
-            <a:ext cx="10058400" cy="3574778"/>
+            <a:off x="0" y="986680"/>
+            <a:ext cx="12192000" cy="3441119"/>
           </a:xfrm>
           <a:effectLst>
             <a:outerShdw blurRad="50800" dist="38100" dir="2700000" algn="tl" rotWithShape="0">
@@ -23469,18 +23503,26 @@
         </p:spPr>
         <p:txBody>
           <a:bodyPr vert="horz" lIns="91440" tIns="45720" rIns="91440" bIns="45720" rtlCol="0" anchor="b">
-            <a:normAutofit/>
+            <a:noAutofit/>
           </a:bodyPr>
           <a:lstStyle/>
           <a:p>
-            <a:r>
-              <a:rPr lang="en-US" sz="5200" dirty="0">
-                <a:solidFill>
-                  <a:schemeClr val="accent4"/>
-                </a:solidFill>
-                <a:latin typeface="+mj-lt"/>
-              </a:rPr>
-              <a:t>Strategy requires thought, tactics require observation</a:t>
+            <a:pPr algn="ctr"/>
+            <a:r>
+              <a:rPr lang="en-US" b="1" dirty="0">
+                <a:solidFill>
+                  <a:srgbClr val="FFC000"/>
+                </a:solidFill>
+                <a:effectLst>
+                  <a:outerShdw blurRad="38100" dist="38100" dir="2700000" algn="tl">
+                    <a:srgbClr val="000000">
+                      <a:alpha val="43137"/>
+                    </a:srgbClr>
+                  </a:outerShdw>
+                </a:effectLst>
+                <a:latin typeface="Arial Black" panose="020B0A04020102020204" pitchFamily="34" charset="0"/>
+              </a:rPr>
+              <a:t>If you don’t evaluate your architecture, you are not doing architecture — you’re just hoping for the best.</a:t>
             </a:r>
           </a:p>
         </p:txBody>
@@ -23503,8 +23545,8 @@
         </p:nvSpPr>
         <p:spPr>
           <a:xfrm>
-            <a:off x="1100051" y="4072043"/>
-            <a:ext cx="10058400" cy="1282707"/>
+            <a:off x="1299556" y="5645344"/>
+            <a:ext cx="9592887" cy="978195"/>
           </a:xfrm>
           <a:effectLst>
             <a:outerShdw blurRad="50800" dist="38100" dir="2700000" algn="tl" rotWithShape="0">
@@ -23516,55 +23558,75 @@
         </p:spPr>
         <p:txBody>
           <a:bodyPr vert="horz" lIns="91440" tIns="45720" rIns="91440" bIns="45720" rtlCol="0">
-            <a:normAutofit lnSpcReduction="10000"/>
+            <a:normAutofit fontScale="92500" lnSpcReduction="10000"/>
           </a:bodyPr>
           <a:lstStyle/>
           <a:p>
             <a:r>
-              <a:rPr lang="en-US" sz="2400" dirty="0">
+              <a:rPr lang="en-US" sz="3200" b="1" dirty="0">
                 <a:solidFill>
                   <a:schemeClr val="accent2"/>
                 </a:solidFill>
-                <a:latin typeface="+mn-lt"/>
-              </a:rPr>
-              <a:t>Max </a:t>
-            </a:r>
-            <a:r>
-              <a:rPr lang="en-US" sz="2400" dirty="0" err="1">
+                <a:effectLst>
+                  <a:outerShdw blurRad="38100" dist="38100" dir="2700000" algn="tl">
+                    <a:srgbClr val="000000">
+                      <a:alpha val="43137"/>
+                    </a:srgbClr>
+                  </a:outerShdw>
+                </a:effectLst>
+                <a:latin typeface="Arial Black" panose="020B0A04020102020204" pitchFamily="34" charset="0"/>
+              </a:rPr>
+              <a:t>Len Bass, Paul Clements, and Rick </a:t>
+            </a:r>
+            <a:r>
+              <a:rPr lang="en-US" sz="3200" b="1" dirty="0" err="1">
                 <a:solidFill>
                   <a:schemeClr val="accent2"/>
                 </a:solidFill>
-                <a:latin typeface="+mn-lt"/>
-              </a:rPr>
-              <a:t>Euwe</a:t>
-            </a:r>
-            <a:endParaRPr lang="en-US" sz="2400" dirty="0">
-              <a:solidFill>
-                <a:schemeClr val="accent2"/>
-              </a:solidFill>
-              <a:latin typeface="+mn-lt"/>
-            </a:endParaRPr>
-          </a:p>
-          <a:p>
-            <a:r>
-              <a:rPr lang="en-US" sz="2400" dirty="0">
+                <a:effectLst>
+                  <a:outerShdw blurRad="38100" dist="38100" dir="2700000" algn="tl">
+                    <a:srgbClr val="000000">
+                      <a:alpha val="43137"/>
+                    </a:srgbClr>
+                  </a:outerShdw>
+                </a:effectLst>
+                <a:latin typeface="Arial Black" panose="020B0A04020102020204" pitchFamily="34" charset="0"/>
+              </a:rPr>
+              <a:t>Kazman</a:t>
+            </a:r>
+            <a:r>
+              <a:rPr lang="en-US" sz="3200" b="1" dirty="0">
+                <a:solidFill>
+                  <a:schemeClr val="accent2"/>
+                </a:solidFill>
+                <a:effectLst>
+                  <a:outerShdw blurRad="38100" dist="38100" dir="2700000" algn="tl">
+                    <a:srgbClr val="000000">
+                      <a:alpha val="43137"/>
+                    </a:srgbClr>
+                  </a:outerShdw>
+                </a:effectLst>
+                <a:latin typeface="Arial Black" panose="020B0A04020102020204" pitchFamily="34" charset="0"/>
+              </a:rPr>
+              <a:t>, </a:t>
+            </a:r>
+          </a:p>
+          <a:p>
+            <a:r>
+              <a:rPr lang="en-US" sz="3200" b="1" dirty="0">
                 <a:solidFill>
                   <a:srgbClr val="FFFFFF"/>
                 </a:solidFill>
-                <a:latin typeface="+mn-lt"/>
-              </a:rPr>
-              <a:t>World Chess Champion</a:t>
-            </a:r>
-          </a:p>
-          <a:p>
-            <a:r>
-              <a:rPr lang="en-US" sz="2400" dirty="0">
-                <a:solidFill>
-                  <a:srgbClr val="FFFFFF"/>
-                </a:solidFill>
-                <a:latin typeface="+mn-lt"/>
-              </a:rPr>
-              <a:t>(1935-1937)</a:t>
+                <a:effectLst>
+                  <a:outerShdw blurRad="38100" dist="38100" dir="2700000" algn="tl">
+                    <a:srgbClr val="000000">
+                      <a:alpha val="43137"/>
+                    </a:srgbClr>
+                  </a:outerShdw>
+                </a:effectLst>
+                <a:latin typeface="Arial Black" panose="020B0A04020102020204" pitchFamily="34" charset="0"/>
+              </a:rPr>
+              <a:t>Software Architecture in Practice</a:t>
             </a:r>
           </a:p>
         </p:txBody>
@@ -23634,8 +23696,23 @@
                 </a:solidFill>
                 <a:latin typeface="+mn-lt"/>
               </a:rPr>
-              <a:t>Architectural Design</a:t>
-            </a:r>
+              <a:t>Architecture </a:t>
+            </a:r>
+            <a:r>
+              <a:rPr lang="en-US" sz="9600" b="1" dirty="0" err="1">
+                <a:solidFill>
+                  <a:schemeClr val="accent2"/>
+                </a:solidFill>
+                <a:latin typeface="+mn-lt"/>
+              </a:rPr>
+              <a:t>Evalution</a:t>
+            </a:r>
+            <a:endParaRPr lang="en-US" sz="9600" b="1" dirty="0">
+              <a:solidFill>
+                <a:schemeClr val="accent2"/>
+              </a:solidFill>
+              <a:latin typeface="+mn-lt"/>
+            </a:endParaRPr>
           </a:p>
         </p:txBody>
       </p:sp>
@@ -23669,7 +23746,7 @@
           <a:p>
             <a:r>
               <a:rPr lang="en-US" sz="4000" dirty="0"/>
-              <a:t>Architectural Tactics</a:t>
+              <a:t>Analyze and Evaluate Architecture</a:t>
             </a:r>
           </a:p>
         </p:txBody>
@@ -25579,15 +25656,6 @@
 </file>
 
 <file path=customXml/item1.xml><?xml version="1.0" encoding="utf-8"?>
-<?mso-contentType ?>
-<FormTemplates xmlns="http://schemas.microsoft.com/sharepoint/v3/contenttype/forms">
-  <Display>DocumentLibraryForm</Display>
-  <Edit>DocumentLibraryForm</Edit>
-  <New>DocumentLibraryForm</New>
-</FormTemplates>
-</file>
-
-<file path=customXml/item2.xml><?xml version="1.0" encoding="utf-8"?>
 <ct:contentTypeSchema xmlns:ct="http://schemas.microsoft.com/office/2006/metadata/contentType" xmlns:ma="http://schemas.microsoft.com/office/2006/metadata/properties/metaAttributes" ct:_="" ma:_="" ma:contentTypeName="Document" ma:contentTypeID="0x010100DD885558AB6A744F858F199523AA4F79" ma:contentTypeVersion="14" ma:contentTypeDescription="Create a new document." ma:contentTypeScope="" ma:versionID="0d7e2d77a35f50d24e5cfea0c15e27e2">
   <xsd:schema xmlns:xsd="http://www.w3.org/2001/XMLSchema" xmlns:xs="http://www.w3.org/2001/XMLSchema" xmlns:p="http://schemas.microsoft.com/office/2006/metadata/properties" xmlns:ns2="986c2aee-ed5d-4f8c-9a97-a123ff0f41d6" xmlns:ns3="3dc4ad75-eb7a-4335-b796-582b00f977f8" targetNamespace="http://schemas.microsoft.com/office/2006/metadata/properties" ma:root="true" ma:fieldsID="98180309d84f6e93ca95db4211fcb1fe" ns2:_="" ns3:_="">
     <xsd:import namespace="986c2aee-ed5d-4f8c-9a97-a123ff0f41d6"/>
@@ -25796,6 +25864,15 @@
 </ct:contentTypeSchema>
 </file>
 
+<file path=customXml/item2.xml><?xml version="1.0" encoding="utf-8"?>
+<?mso-contentType ?>
+<FormTemplates xmlns="http://schemas.microsoft.com/sharepoint/v3/contenttype/forms">
+  <Display>DocumentLibraryForm</Display>
+  <Edit>DocumentLibraryForm</Edit>
+  <New>DocumentLibraryForm</New>
+</FormTemplates>
+</file>
+
 <file path=customXml/item3.xml><?xml version="1.0" encoding="utf-8"?>
 <p:properties xmlns:p="http://schemas.microsoft.com/office/2006/metadata/properties" xmlns:xsi="http://www.w3.org/2001/XMLSchema-instance" xmlns:pc="http://schemas.microsoft.com/office/infopath/2007/PartnerControls">
   <documentManagement>
@@ -25808,14 +25885,6 @@
 </file>
 
 <file path=customXml/itemProps1.xml><?xml version="1.0" encoding="utf-8"?>
-<ds:datastoreItem xmlns:ds="http://schemas.openxmlformats.org/officeDocument/2006/customXml" ds:itemID="{54B8C7C7-268A-471B-B609-F14FCD4C456D}">
-  <ds:schemaRefs>
-    <ds:schemaRef ds:uri="http://schemas.microsoft.com/sharepoint/v3/contenttype/forms"/>
-  </ds:schemaRefs>
-</ds:datastoreItem>
-</file>
-
-<file path=customXml/itemProps2.xml><?xml version="1.0" encoding="utf-8"?>
 <ds:datastoreItem xmlns:ds="http://schemas.openxmlformats.org/officeDocument/2006/customXml" ds:itemID="{716BFC68-38EA-4C0C-85FC-6CF4D3E55561}">
   <ds:schemaRefs>
     <ds:schemaRef ds:uri="http://schemas.microsoft.com/office/2006/metadata/contentType"/>
@@ -25830,6 +25899,14 @@
     <ds:schemaRef ds:uri="http://purl.org/dc/elements/1.1/"/>
     <ds:schemaRef ds:uri="http://purl.org/dc/terms/"/>
     <ds:schemaRef ds:uri="http://schemas.microsoft.com/internal/obd"/>
+  </ds:schemaRefs>
+</ds:datastoreItem>
+</file>
+
+<file path=customXml/itemProps2.xml><?xml version="1.0" encoding="utf-8"?>
+<ds:datastoreItem xmlns:ds="http://schemas.openxmlformats.org/officeDocument/2006/customXml" ds:itemID="{54B8C7C7-268A-471B-B609-F14FCD4C456D}">
+  <ds:schemaRefs>
+    <ds:schemaRef ds:uri="http://schemas.microsoft.com/sharepoint/v3/contenttype/forms"/>
   </ds:schemaRefs>
 </ds:datastoreItem>
 </file>

--- a/Clases/05-ArchitectureEvaluation/SoftwareArchitecture-ArchitectureEvaluation.pptx
+++ b/Clases/05-ArchitectureEvaluation/SoftwareArchitecture-ArchitectureEvaluation.pptx
@@ -1163,18 +1163,6 @@
               <a:buNone/>
             </a:pPr>
             <a:r>
-              <a:rPr lang="es-ES" sz="1200" b="1" i="0" kern="1200" dirty="0" err="1">
-                <a:solidFill>
-                  <a:schemeClr val="tx1"/>
-                </a:solidFill>
-                <a:effectLst/>
-                <a:latin typeface="+mn-lt"/>
-                <a:ea typeface="+mn-ea"/>
-                <a:cs typeface="+mn-cs"/>
-              </a:rPr>
-              <a:t>Architecture</a:t>
-            </a:r>
-            <a:r>
               <a:rPr lang="es-ES" sz="1200" b="1" i="0" kern="1200" dirty="0">
                 <a:solidFill>
                   <a:schemeClr val="tx1"/>
@@ -1184,80 +1172,14 @@
                 <a:ea typeface="+mn-ea"/>
                 <a:cs typeface="+mn-cs"/>
               </a:rPr>
-              <a:t> </a:t>
-            </a:r>
-            <a:r>
-              <a:rPr lang="es-ES" sz="1200" b="1" i="0" kern="1200" dirty="0" err="1">
-                <a:solidFill>
-                  <a:schemeClr val="tx1"/>
-                </a:solidFill>
-                <a:effectLst/>
-                <a:latin typeface="+mn-lt"/>
-                <a:ea typeface="+mn-ea"/>
-                <a:cs typeface="+mn-cs"/>
-              </a:rPr>
-              <a:t>Trade</a:t>
-            </a:r>
-            <a:r>
-              <a:rPr lang="es-ES" sz="1200" b="1" i="0" kern="1200" dirty="0">
-                <a:solidFill>
-                  <a:schemeClr val="tx1"/>
-                </a:solidFill>
-                <a:effectLst/>
-                <a:latin typeface="+mn-lt"/>
-                <a:ea typeface="+mn-ea"/>
-                <a:cs typeface="+mn-cs"/>
-              </a:rPr>
-              <a:t>-off </a:t>
-            </a:r>
-            <a:r>
-              <a:rPr lang="es-ES" sz="1200" b="1" i="0" kern="1200" dirty="0" err="1">
-                <a:solidFill>
-                  <a:schemeClr val="tx1"/>
-                </a:solidFill>
-                <a:effectLst/>
-                <a:latin typeface="+mn-lt"/>
-                <a:ea typeface="+mn-ea"/>
-                <a:cs typeface="+mn-cs"/>
-              </a:rPr>
-              <a:t>Analysis</a:t>
-            </a:r>
-            <a:r>
-              <a:rPr lang="es-ES" sz="1200" b="1" i="0" kern="1200" dirty="0">
-                <a:solidFill>
-                  <a:schemeClr val="tx1"/>
-                </a:solidFill>
-                <a:effectLst/>
-                <a:latin typeface="+mn-lt"/>
-                <a:ea typeface="+mn-ea"/>
-                <a:cs typeface="+mn-cs"/>
-              </a:rPr>
-              <a:t> </a:t>
-            </a:r>
-            <a:r>
-              <a:rPr lang="es-ES" sz="1200" b="1" i="0" kern="1200" dirty="0" err="1">
-                <a:solidFill>
-                  <a:schemeClr val="tx1"/>
-                </a:solidFill>
-                <a:effectLst/>
-                <a:latin typeface="+mn-lt"/>
-                <a:ea typeface="+mn-ea"/>
-                <a:cs typeface="+mn-cs"/>
-              </a:rPr>
-              <a:t>Method</a:t>
-            </a:r>
-            <a:r>
-              <a:rPr lang="es-ES" sz="1200" b="1" i="0" kern="1200" dirty="0">
-                <a:solidFill>
-                  <a:schemeClr val="tx1"/>
-                </a:solidFill>
-                <a:effectLst/>
-                <a:latin typeface="+mn-lt"/>
-                <a:ea typeface="+mn-ea"/>
-                <a:cs typeface="+mn-cs"/>
-              </a:rPr>
-              <a:t> (ATAM)</a:t>
-            </a:r>
+              <a:t>ATAM</a:t>
+            </a:r>
+          </a:p>
+          <a:p>
+            <a:pPr marL="0" indent="0">
+              <a:buFontTx/>
+              <a:buNone/>
+            </a:pPr>
             <a:r>
               <a:rPr lang="es-ES" sz="1200" b="0" i="0" kern="1200" dirty="0">
                 <a:solidFill>
@@ -1268,7 +1190,87 @@
                 <a:ea typeface="+mn-ea"/>
                 <a:cs typeface="+mn-cs"/>
               </a:rPr>
-              <a:t>,el Método de Análisis de Acuerdos de Arquitectura, es un método de evaluación de arquitectura de software desarrollado e impulsado por el Instituto de </a:t>
+              <a:t>Es el Método de Análisis de Acuerdos de Arquitectura, que centra su actividad de evaluación en la interacción entre los diferentes atributos de calidad arquitectónica y los escenarios desarrollados por los involucrados.</a:t>
+            </a:r>
+            <a:endParaRPr lang="es-CO" dirty="0"/>
+          </a:p>
+          <a:p>
+            <a:pPr marL="0" indent="0">
+              <a:buFontTx/>
+              <a:buNone/>
+            </a:pPr>
+            <a:endParaRPr lang="es-ES" sz="1200" b="0" i="0" kern="1200" dirty="0">
+              <a:solidFill>
+                <a:schemeClr val="tx1"/>
+              </a:solidFill>
+              <a:effectLst/>
+              <a:latin typeface="+mn-lt"/>
+              <a:ea typeface="+mn-ea"/>
+              <a:cs typeface="+mn-cs"/>
+            </a:endParaRPr>
+          </a:p>
+          <a:p>
+            <a:pPr marL="0" indent="0">
+              <a:buFontTx/>
+              <a:buNone/>
+            </a:pPr>
+            <a:r>
+              <a:rPr lang="es-ES" sz="1200" b="0" i="0" kern="1200" dirty="0">
+                <a:solidFill>
+                  <a:schemeClr val="tx1"/>
+                </a:solidFill>
+                <a:effectLst/>
+                <a:latin typeface="+mn-lt"/>
+                <a:ea typeface="+mn-ea"/>
+                <a:cs typeface="+mn-cs"/>
+              </a:rPr>
+              <a:t>Este método también se utiliza para mitigar los riesgos en las arquitecturas de software durante las primeras etapas del ciclo de vida del desarrollo de software (SDLC).</a:t>
+            </a:r>
+          </a:p>
+          <a:p>
+            <a:pPr marL="0" indent="0">
+              <a:buFontTx/>
+              <a:buNone/>
+            </a:pPr>
+            <a:endParaRPr lang="es-ES" sz="1200" b="0" i="0" kern="1200" dirty="0">
+              <a:solidFill>
+                <a:schemeClr val="tx1"/>
+              </a:solidFill>
+              <a:effectLst/>
+              <a:latin typeface="+mn-lt"/>
+              <a:ea typeface="+mn-ea"/>
+              <a:cs typeface="+mn-cs"/>
+            </a:endParaRPr>
+          </a:p>
+          <a:p>
+            <a:pPr marL="0" marR="0" lvl="0" indent="0" algn="l" defTabSz="914400" rtl="0" eaLnBrk="1" fontAlgn="auto" latinLnBrk="0" hangingPunct="1">
+              <a:lnSpc>
+                <a:spcPct val="100000"/>
+              </a:lnSpc>
+              <a:spcBef>
+                <a:spcPts val="0"/>
+              </a:spcBef>
+              <a:spcAft>
+                <a:spcPts val="0"/>
+              </a:spcAft>
+              <a:buClrTx/>
+              <a:buSzTx/>
+              <a:buFontTx/>
+              <a:buNone/>
+              <a:tabLst/>
+              <a:defRPr/>
+            </a:pPr>
+            <a:r>
+              <a:rPr lang="es-ES" sz="1200" b="0" i="0" kern="1200" dirty="0">
+                <a:solidFill>
+                  <a:schemeClr val="tx1"/>
+                </a:solidFill>
+                <a:effectLst/>
+                <a:latin typeface="+mn-lt"/>
+                <a:ea typeface="+mn-ea"/>
+                <a:cs typeface="+mn-cs"/>
+              </a:rPr>
+              <a:t>Fue desarrollado e impulsado por el Instituto de </a:t>
             </a:r>
             <a:r>
               <a:rPr lang="es-ES" sz="1200" b="0" i="0" u="none" strike="noStrike" kern="1200" dirty="0">
@@ -1341,9 +1343,56 @@
                 <a:ea typeface="+mn-ea"/>
                 <a:cs typeface="+mn-cs"/>
               </a:rPr>
-              <a:t>, SEI), este centra su actividad de evaluación en la interacción entre los diferentes atributos de calidad arquitectónica y basa sus evaluaciones sobre los escenarios desarrollados por los involucrados y un equipo de evaluación.</a:t>
-            </a:r>
-            <a:endParaRPr lang="es-CO" dirty="0"/>
+              <a:t>, SEI), </a:t>
+            </a:r>
+          </a:p>
+          <a:p>
+            <a:pPr marL="0" indent="0">
+              <a:buFontTx/>
+              <a:buNone/>
+            </a:pPr>
+            <a:endParaRPr lang="es-ES" sz="1200" b="0" i="0" kern="1200" dirty="0">
+              <a:solidFill>
+                <a:schemeClr val="tx1"/>
+              </a:solidFill>
+              <a:effectLst/>
+              <a:latin typeface="+mn-lt"/>
+              <a:ea typeface="+mn-ea"/>
+              <a:cs typeface="+mn-cs"/>
+            </a:endParaRPr>
+          </a:p>
+          <a:p>
+            <a:pPr marL="0" indent="0">
+              <a:buFontTx/>
+              <a:buNone/>
+            </a:pPr>
+            <a:r>
+              <a:rPr lang="es-ES" sz="1200" b="0" i="0" kern="1200" dirty="0">
+                <a:solidFill>
+                  <a:schemeClr val="tx1"/>
+                </a:solidFill>
+                <a:effectLst/>
+                <a:latin typeface="+mn-lt"/>
+                <a:ea typeface="+mn-ea"/>
+                <a:cs typeface="+mn-cs"/>
+              </a:rPr>
+              <a:t>Su  propósito fundamental es Evaluar cómo las decisiones arquitectónicas afectan los atributos de calidad del sistema, Identificar riesgos, y No riesgos e Involucrar a los interesados para asegurar que la arquitectura se alinee con los drivers de calidad del negocio.</a:t>
+            </a:r>
+          </a:p>
+          <a:p>
+            <a:pPr marL="0" indent="0">
+              <a:buFontTx/>
+              <a:buNone/>
+            </a:pPr>
+            <a:endParaRPr lang="es-ES" sz="1200" b="0" i="0" kern="1200" dirty="0">
+              <a:solidFill>
+                <a:schemeClr val="tx1"/>
+              </a:solidFill>
+              <a:effectLst/>
+              <a:latin typeface="+mn-lt"/>
+              <a:ea typeface="+mn-ea"/>
+              <a:cs typeface="+mn-cs"/>
+            </a:endParaRPr>
           </a:p>
         </p:txBody>
       </p:sp>
@@ -1672,7 +1721,7 @@
             </a:pPr>
             <a:r>
               <a:rPr lang="es-ES" b="1" dirty="0"/>
-              <a:t>Presentar los Impulsores de Negocio:</a:t>
+              <a:t>Presentar los Drivers del Negocio:</a:t>
             </a:r>
             <a:r>
               <a:rPr lang="es-ES" dirty="0"/>
@@ -1698,11 +1747,11 @@
             </a:pPr>
             <a:r>
               <a:rPr lang="es-ES" b="1" dirty="0"/>
-              <a:t>Identificar los Enfoques </a:t>
+              <a:t>Identificar los Enfoques Arquitectónicos</a:t>
             </a:r>
             <a:r>
               <a:rPr lang="es-ES" dirty="0"/>
-              <a:t>Arquitectónicos: El arquitecto presenta algunos enfoques arquitectónicos específicos al equipo y, a continuación, se discute la arquitectura propuesta.</a:t>
+              <a:t>: El arquitecto presenta algunos enfoques arquitectónicos específicos al equipo y, a continuación, se discute la arquitectura propuesta.</a:t>
             </a:r>
           </a:p>
           <a:p>
@@ -1728,7 +1777,7 @@
             </a:r>
             <a:r>
               <a:rPr lang="es-ES" dirty="0"/>
-              <a:t> Cada escenario se compara y se clasifica por prioridad, y los escenarios con mayor calificación se asignan a la arquitectura. Lluvia de ideas sobre escenarios: El grupo de interesados ​​más amplio presenta y aporta los escenarios actuales y sus preocupaciones.</a:t>
+              <a:t> Cada escenario se compara y se clasifica por prioridad, y los escenarios con mayor calificación se asignan a la arquitectura. </a:t>
             </a:r>
           </a:p>
           <a:p>
@@ -1737,11 +1786,24 @@
             </a:pPr>
             <a:r>
               <a:rPr lang="es-ES" b="1" dirty="0"/>
-              <a:t>Análisis de los enfoques arquitectónicos:</a:t>
+              <a:t>Lluvia de ideas sobre escenarios</a:t>
             </a:r>
             <a:r>
               <a:rPr lang="es-ES" dirty="0"/>
-              <a:t> El paso 6 se repite con el conocimiento adicional de los interesados ​​más amplios.</a:t>
+              <a:t>: El grupo de interesados ​​más amplio presenta y aporta los escenarios actuales y sus preocupaciones.</a:t>
+            </a:r>
+          </a:p>
+          <a:p>
+            <a:pPr marL="228600" indent="-228600">
+              <a:buAutoNum type="arabicPeriod"/>
+            </a:pPr>
+            <a:r>
+              <a:rPr lang="es-ES" b="1" dirty="0"/>
+              <a:t>Re-Analizar los enfoques arquitectónicos:</a:t>
+            </a:r>
+            <a:r>
+              <a:rPr lang="es-ES" dirty="0"/>
+              <a:t> Este paso se repite con el conocimiento adicional de los interesados ​​más amplios.</a:t>
             </a:r>
           </a:p>
           <a:p>
@@ -16549,7 +16611,7 @@
           <a:p>
             <a:r>
               <a:rPr lang="en-US" b="0" dirty="0"/>
-              <a:t>Architecture Tradeoff Analysis Method (ATAM)</a:t>
+              <a:t>Architecture Tradeoff Analysis Method</a:t>
             </a:r>
             <a:endParaRPr lang="en-US" dirty="0"/>
           </a:p>
@@ -16571,7 +16633,12 @@
             <p:ph idx="1"/>
           </p:nvPr>
         </p:nvSpPr>
-        <p:spPr/>
+        <p:spPr>
+          <a:xfrm>
+            <a:off x="838200" y="947523"/>
+            <a:ext cx="10515600" cy="2481477"/>
+          </a:xfrm>
+        </p:spPr>
         <p:txBody>
           <a:bodyPr/>
           <a:lstStyle/>
@@ -16596,53 +16663,70 @@
           </a:p>
         </p:txBody>
       </p:sp>
-      <p:pic>
-        <p:nvPicPr>
-          <p:cNvPr id="1026" name="Picture 2" descr="Modern trade-off Analysis for Distributed System Architecture | by ...">
-            <a:extLst>
-              <a:ext uri="{FF2B5EF4-FFF2-40B4-BE49-F238E27FC236}">
-                <a16:creationId xmlns:a16="http://schemas.microsoft.com/office/drawing/2014/main" id="{0AAD2B11-4ABB-A80B-E8E4-7F85392DC1E2}"/>
-              </a:ext>
-            </a:extLst>
-          </p:cNvPr>
-          <p:cNvPicPr>
-            <a:picLocks noChangeAspect="1" noChangeArrowheads="1"/>
-          </p:cNvPicPr>
+      <p:sp>
+        <p:nvSpPr>
+          <p:cNvPr id="2" name="Rectangle 1">
+            <a:extLst>
+              <a:ext uri="{FF2B5EF4-FFF2-40B4-BE49-F238E27FC236}">
+                <a16:creationId xmlns:a16="http://schemas.microsoft.com/office/drawing/2014/main" id="{6954ED37-525C-FB03-4073-071781BBC9EA}"/>
+              </a:ext>
+            </a:extLst>
+          </p:cNvPr>
+          <p:cNvSpPr/>
           <p:nvPr/>
-        </p:nvPicPr>
-        <p:blipFill>
-          <a:blip r:embed="rId3">
-            <a:extLst>
-              <a:ext uri="{28A0092B-C50C-407E-A947-70E740481C1C}">
-                <a14:useLocalDpi xmlns:a14="http://schemas.microsoft.com/office/drawing/2010/main" val="0"/>
-              </a:ext>
-            </a:extLst>
-          </a:blip>
-          <a:srcRect/>
-          <a:stretch>
-            <a:fillRect/>
-          </a:stretch>
-        </p:blipFill>
-        <p:spPr bwMode="auto">
+        </p:nvSpPr>
+        <p:spPr>
           <a:xfrm>
-            <a:off x="8162700" y="3159195"/>
-            <a:ext cx="4029300" cy="3698805"/>
+            <a:off x="2674544" y="3998467"/>
+            <a:ext cx="6414897" cy="2215991"/>
           </a:xfrm>
           <a:prstGeom prst="rect">
             <a:avLst/>
           </a:prstGeom>
           <a:noFill/>
-          <a:extLst>
-            <a:ext uri="{909E8E84-426E-40DD-AFC4-6F175D3DCCD1}">
-              <a14:hiddenFill xmlns:a14="http://schemas.microsoft.com/office/drawing/2010/main">
+        </p:spPr>
+        <p:txBody>
+          <a:bodyPr wrap="none" lIns="91440" tIns="45720" rIns="91440" bIns="45720">
+            <a:spAutoFit/>
+          </a:bodyPr>
+          <a:lstStyle/>
+          <a:p>
+            <a:pPr algn="ctr"/>
+            <a:r>
+              <a:rPr lang="en-US" sz="13800" b="1" dirty="0">
+                <a:ln w="22225">
+                  <a:solidFill>
+                    <a:schemeClr val="accent2"/>
+                  </a:solidFill>
+                  <a:prstDash val="solid"/>
+                </a:ln>
                 <a:solidFill>
-                  <a:srgbClr val="FFFFFF"/>
+                  <a:schemeClr val="accent2">
+                    <a:lumMod val="40000"/>
+                    <a:lumOff val="60000"/>
+                  </a:schemeClr>
                 </a:solidFill>
-              </a14:hiddenFill>
-            </a:ext>
-          </a:extLst>
-        </p:spPr>
-      </p:pic>
+              </a:rPr>
+              <a:t>A.T.A.M.</a:t>
+            </a:r>
+            <a:endParaRPr lang="en-US" sz="13800" b="1" cap="none" spc="0" dirty="0">
+              <a:ln w="22225">
+                <a:solidFill>
+                  <a:schemeClr val="accent2"/>
+                </a:solidFill>
+                <a:prstDash val="solid"/>
+              </a:ln>
+              <a:solidFill>
+                <a:schemeClr val="accent2">
+                  <a:lumMod val="40000"/>
+                  <a:lumOff val="60000"/>
+                </a:schemeClr>
+              </a:solidFill>
+              <a:effectLst/>
+            </a:endParaRPr>
+          </a:p>
+        </p:txBody>
+      </p:sp>
     </p:spTree>
     <p:extLst>
       <p:ext uri="{BB962C8B-B14F-4D97-AF65-F5344CB8AC3E}">
@@ -17181,7 +17265,7 @@
                   <a:schemeClr val="accent1"/>
                 </a:solidFill>
               </a:rPr>
-              <a:t>Analyze architectural approaches.</a:t>
+              <a:t>Re-Analyze architectural approaches.</a:t>
             </a:r>
           </a:p>
           <a:p>
@@ -17328,15 +17412,6 @@
           <a:solidFill>
             <a:srgbClr val="FFFFFF"/>
           </a:solidFill>
-          <a:extLst>
-            <a:ext uri="{909E8E84-426E-40DD-AFC4-6F175D3DCCD1}">
-              <a14:hiddenFill xmlns:a14="http://schemas.microsoft.com/office/drawing/2010/main">
-                <a:solidFill>
-                  <a:srgbClr val="FFFFFF"/>
-                </a:solidFill>
-              </a14:hiddenFill>
-            </a:ext>
-          </a:extLst>
         </p:spPr>
       </p:pic>
     </p:spTree>
@@ -18703,15 +18778,6 @@
 </file>
 
 <file path=customXml/item1.xml><?xml version="1.0" encoding="utf-8"?>
-<?mso-contentType ?>
-<FormTemplates xmlns="http://schemas.microsoft.com/sharepoint/v3/contenttype/forms">
-  <Display>DocumentLibraryForm</Display>
-  <Edit>DocumentLibraryForm</Edit>
-  <New>DocumentLibraryForm</New>
-</FormTemplates>
-</file>
-
-<file path=customXml/item2.xml><?xml version="1.0" encoding="utf-8"?>
 <ct:contentTypeSchema xmlns:ct="http://schemas.microsoft.com/office/2006/metadata/contentType" xmlns:ma="http://schemas.microsoft.com/office/2006/metadata/properties/metaAttributes" ct:_="" ma:_="" ma:contentTypeName="Document" ma:contentTypeID="0x010100DD885558AB6A744F858F199523AA4F79" ma:contentTypeVersion="14" ma:contentTypeDescription="Create a new document." ma:contentTypeScope="" ma:versionID="0d7e2d77a35f50d24e5cfea0c15e27e2">
   <xsd:schema xmlns:xsd="http://www.w3.org/2001/XMLSchema" xmlns:xs="http://www.w3.org/2001/XMLSchema" xmlns:p="http://schemas.microsoft.com/office/2006/metadata/properties" xmlns:ns2="986c2aee-ed5d-4f8c-9a97-a123ff0f41d6" xmlns:ns3="3dc4ad75-eb7a-4335-b796-582b00f977f8" targetNamespace="http://schemas.microsoft.com/office/2006/metadata/properties" ma:root="true" ma:fieldsID="98180309d84f6e93ca95db4211fcb1fe" ns2:_="" ns3:_="">
     <xsd:import namespace="986c2aee-ed5d-4f8c-9a97-a123ff0f41d6"/>
@@ -18920,6 +18986,15 @@
 </ct:contentTypeSchema>
 </file>
 
+<file path=customXml/item2.xml><?xml version="1.0" encoding="utf-8"?>
+<?mso-contentType ?>
+<FormTemplates xmlns="http://schemas.microsoft.com/sharepoint/v3/contenttype/forms">
+  <Display>DocumentLibraryForm</Display>
+  <Edit>DocumentLibraryForm</Edit>
+  <New>DocumentLibraryForm</New>
+</FormTemplates>
+</file>
+
 <file path=customXml/item3.xml><?xml version="1.0" encoding="utf-8"?>
 <p:properties xmlns:p="http://schemas.microsoft.com/office/2006/metadata/properties" xmlns:xsi="http://www.w3.org/2001/XMLSchema-instance" xmlns:pc="http://schemas.microsoft.com/office/infopath/2007/PartnerControls">
   <documentManagement>
@@ -18932,14 +19007,6 @@
 </file>
 
 <file path=customXml/itemProps1.xml><?xml version="1.0" encoding="utf-8"?>
-<ds:datastoreItem xmlns:ds="http://schemas.openxmlformats.org/officeDocument/2006/customXml" ds:itemID="{54B8C7C7-268A-471B-B609-F14FCD4C456D}">
-  <ds:schemaRefs>
-    <ds:schemaRef ds:uri="http://schemas.microsoft.com/sharepoint/v3/contenttype/forms"/>
-  </ds:schemaRefs>
-</ds:datastoreItem>
-</file>
-
-<file path=customXml/itemProps2.xml><?xml version="1.0" encoding="utf-8"?>
 <ds:datastoreItem xmlns:ds="http://schemas.openxmlformats.org/officeDocument/2006/customXml" ds:itemID="{716BFC68-38EA-4C0C-85FC-6CF4D3E55561}">
   <ds:schemaRefs>
     <ds:schemaRef ds:uri="http://schemas.microsoft.com/office/2006/metadata/contentType"/>
@@ -18954,6 +19021,14 @@
     <ds:schemaRef ds:uri="http://purl.org/dc/elements/1.1/"/>
     <ds:schemaRef ds:uri="http://purl.org/dc/terms/"/>
     <ds:schemaRef ds:uri="http://schemas.microsoft.com/internal/obd"/>
+  </ds:schemaRefs>
+</ds:datastoreItem>
+</file>
+
+<file path=customXml/itemProps2.xml><?xml version="1.0" encoding="utf-8"?>
+<ds:datastoreItem xmlns:ds="http://schemas.openxmlformats.org/officeDocument/2006/customXml" ds:itemID="{54B8C7C7-268A-471B-B609-F14FCD4C456D}">
+  <ds:schemaRefs>
+    <ds:schemaRef ds:uri="http://schemas.microsoft.com/sharepoint/v3/contenttype/forms"/>
   </ds:schemaRefs>
 </ds:datastoreItem>
 </file>

--- a/Clases/05-ArchitectureEvaluation/SoftwareArchitecture-ArchitectureEvaluation.pptx
+++ b/Clases/05-ArchitectureEvaluation/SoftwareArchitecture-ArchitectureEvaluation.pptx
@@ -276,7 +276,7 @@
           <a:p>
             <a:fld id="{4878D3D5-9CEC-4D72-8961-06C64553987A}" type="datetimeFigureOut">
               <a:rPr lang="en-US" smtClean="0"/>
-              <a:t>5/24/2025</a:t>
+              <a:t>5/25/2025</a:t>
             </a:fld>
             <a:endParaRPr lang="en-US"/>
           </a:p>
@@ -684,10 +684,9 @@
           </a:p>
           <a:p>
             <a:r>
-              <a:rPr lang="es-CO" b="1"/>
+              <a:rPr lang="es-CO" b="1" dirty="0"/>
               <a:t>Bibliografía</a:t>
             </a:r>
-            <a:endParaRPr lang="es-CO" b="1" dirty="0"/>
           </a:p>
           <a:p>
             <a:endParaRPr lang="en-US" dirty="0"/>
@@ -895,13 +894,8 @@
             </a:pPr>
             <a:r>
               <a:rPr lang="es-CO" dirty="0"/>
-              <a:t>Comenzaremos utilizando la siguiente frase: “</a:t>
-            </a:r>
-            <a:r>
-              <a:rPr lang="es-ES" dirty="0"/>
-              <a:t>Si no evalúas tu arquitectura, no estás haciendo arquitectura: sólo estás esperando lo mejor.”</a:t>
-            </a:r>
-            <a:endParaRPr lang="es-CO" dirty="0"/>
+              <a:t>Comenzaremos utilizando la siguiente frase: del libro de “Arquitectura de Software en Práctica”, </a:t>
+            </a:r>
           </a:p>
           <a:p>
             <a:pPr marL="0" marR="0" lvl="0" indent="0" algn="l" defTabSz="914400" rtl="0" eaLnBrk="1" fontAlgn="auto" latinLnBrk="0" hangingPunct="1">
@@ -943,8 +937,33 @@
             </a:pPr>
             <a:r>
               <a:rPr lang="es-CO" dirty="0"/>
-              <a:t>del libro de “Arquitectura de Software en Practica”, </a:t>
-            </a:r>
+              <a:t>“</a:t>
+            </a:r>
+            <a:r>
+              <a:rPr lang="es-ES" dirty="0"/>
+              <a:t>Si no evalúas tu arquitectura, no estás haciendo arquitectura: sólo estás esperando lo mejor.”</a:t>
+            </a:r>
+            <a:endParaRPr lang="es-CO" dirty="0"/>
+          </a:p>
+          <a:p>
+            <a:pPr marL="0" marR="0" lvl="0" indent="0" algn="l" defTabSz="914400" rtl="0" eaLnBrk="1" fontAlgn="auto" latinLnBrk="0" hangingPunct="1">
+              <a:lnSpc>
+                <a:spcPct val="100000"/>
+              </a:lnSpc>
+              <a:spcBef>
+                <a:spcPts val="0"/>
+              </a:spcBef>
+              <a:spcAft>
+                <a:spcPts val="0"/>
+              </a:spcAft>
+              <a:buClrTx/>
+              <a:buSzTx/>
+              <a:buFontTx/>
+              <a:buNone/>
+              <a:tabLst/>
+              <a:defRPr/>
+            </a:pPr>
+            <a:endParaRPr lang="es-CO" dirty="0"/>
           </a:p>
           <a:p>
             <a:pPr marL="0" marR="0" lvl="0" indent="0" algn="l" defTabSz="914400" rtl="0" eaLnBrk="1" fontAlgn="auto" latinLnBrk="0" hangingPunct="1">
@@ -1070,11 +1089,8 @@
             </a:pPr>
             <a:r>
               <a:rPr lang="es-CO" dirty="0"/>
-              <a:t>Hoy nos centraremos en las tácticas arquitectónicas. Estas son decisiones de diseño cruciales.</a:t>
-            </a:r>
-          </a:p>
-          <a:p>
-            <a:endParaRPr lang="es-CO" dirty="0"/>
+              <a:t>Hoy nos centraremos en el método de evaluación ATAM, para evaluar Arquitecturas con base en los atributos de calidad y los escenarios aplicados.</a:t>
+            </a:r>
           </a:p>
         </p:txBody>
       </p:sp>
@@ -1907,7 +1923,7 @@
             </a:pPr>
             <a:r>
               <a:rPr lang="es-ES" b="0" dirty="0"/>
-              <a:t>Y estas son las 4 Fases en las cuales se van realizando los pasos del proceso</a:t>
+              <a:t>Al final, estas son las 4 Fases en las cuales se van realizando los pasos del proceso</a:t>
             </a:r>
           </a:p>
           <a:p>
@@ -1926,7 +1942,7 @@
             </a:r>
             <a:r>
               <a:rPr lang="es-ES" dirty="0"/>
-              <a:t>consiste en recopilar escenarios, requisitos y restricciones. Al obtener los escenarios de un grupo representativo de partes interesadas y/o usuarios clave, obtenemos una lista de requisitos funcionales que describen la solución futura. Los requisitos y restricciones a los que se refiere el modelo son los requisitos y restricciones no funcionales que rigen el entorno en el que se desarrollará la solución. Este paso es muy similar a la versión inicial de la vista de Requisitos de mi enfoque de Arquitectura de Soluciones, donde se enumeran los requisitos funcionales, no funcionales y operativos relevantes para su verificación en vistas posteriores. Algunos proyectos incluyen una Fase 0 para sus esfuerzos de ATAM, donde se enumeran y analizan las entradas ya presentes en el proyecto antes de los análisis de ATAM. Estas entradas pueden incluir documentos contractuales como una Declaración de Trabajo, documentos de requisitos asociados ya existentes en la organización (mapas de capacidad, restricciones técnicas, etc.) y/o un cronograma maestro basado en una hoja de ruta empresarial o la planificación del proyecto existente. Por mi parte, estas entradas se recopilarán y analizarán durante la Fase 1 y no justifican una fase adicional.</a:t>
+              <a:t>consiste en recopilar escenarios, requisitos y restricciones. Al obtener los escenarios de un grupo representativo de partes interesadas y/o usuarios clave, obtenemos una lista de requisitos funcionales que describen la solución futura. Los requisitos y restricciones a los que se refiere el modelo son los requisitos y restricciones no funcionales que rigen el entorno en el que se desarrollará la solución. Este paso es muy similar a la versión inicial de la vista de Requisitos del enfoque de Arquitectura de Soluciones, donde se enumeran los requisitos funcionales y no funcionales y operativos relevantes para su verificación en vistas posteriores. Algunos proyectos incluyen una Fase 0 para sus esfuerzos de ATAM, donde se enumeran y analizan las entradas ya presentes en el proyecto antes de los análisis de ATAM. Estas entradas pueden incluir documentos contractuales como una Declaración de Trabajo, documentos de requisitos asociados ya existentes en la organización (mapas de capacidad, restricciones técnicas, etc.) y/o un cronograma maestro basado en una hoja de ruta empresarial o la planificación del proyecto existente. Al final estas entradas se recopilarán y analizarán durante la Fase 1 y no justifican una fase adicional.</a:t>
             </a:r>
           </a:p>
           <a:p>
@@ -1939,7 +1955,7 @@
             </a:r>
             <a:r>
               <a:rPr lang="es-ES" dirty="0"/>
-              <a:t>consiste en describir y profundizar en las diferentes posibilidades arquitectónicas candidatas, lo que se traduce, a grandes rasgos, en la elaboración de las siguientes perspectivas de mi enfoque (lógica, de implementación, física y operativa). En esta fase, ATAM sugiere comparar las múltiples arquitecturas posibles que compiten, así como enumerar las limitaciones existentes en la situación real del entorno (sistemas heredados, interoperabilidad, tasa de éxito/fracaso de proyectos similares anteriores). ATAM también expone los requisitos implícitos derivados de las suposiciones de un candidato, al aplicarlas a otros.</a:t>
+              <a:t>consiste en describir y profundizar en las diferentes posibilidades arquitectónicas candidatas, lo que se traduce, a grandes rasgos, en la elaboración de las siguientes perspectivas del enfoque (lógica, de implementación, física y operativa). En esta fase, ATAM sugiere comparar las múltiples arquitecturas posibles que compiten, así como enumerar las limitaciones existentes en la situación real del entorno (sistemas heredados, interoperabilidad, tasa de éxito/fracaso de proyectos similares anteriores). ATAM también expone los requisitos implícitos derivados de las suposiciones de un candidato, al aplicarlas a otros.</a:t>
             </a:r>
           </a:p>
           <a:p>
@@ -2346,7 +2362,7 @@
           <a:p>
             <a:fld id="{5D7C6876-A6E7-1843-987D-7573B8E4B848}" type="datetimeFigureOut">
               <a:rPr lang="es-CO" smtClean="0"/>
-              <a:t>24/05/2025</a:t>
+              <a:t>25/05/2025</a:t>
             </a:fld>
             <a:endParaRPr lang="es-CO"/>
           </a:p>
@@ -2580,7 +2596,7 @@
           <a:p>
             <a:fld id="{5D7C6876-A6E7-1843-987D-7573B8E4B848}" type="datetimeFigureOut">
               <a:rPr lang="es-CO" smtClean="0"/>
-              <a:t>24/05/2025</a:t>
+              <a:t>25/05/2025</a:t>
             </a:fld>
             <a:endParaRPr lang="es-CO"/>
           </a:p>
@@ -2788,7 +2804,7 @@
           <a:p>
             <a:fld id="{5D7C6876-A6E7-1843-987D-7573B8E4B848}" type="datetimeFigureOut">
               <a:rPr lang="es-CO" smtClean="0"/>
-              <a:t>24/05/2025</a:t>
+              <a:t>25/05/2025</a:t>
             </a:fld>
             <a:endParaRPr lang="es-CO"/>
           </a:p>
@@ -3088,7 +3104,7 @@
           <a:p>
             <a:fld id="{5D7C6876-A6E7-1843-987D-7573B8E4B848}" type="datetimeFigureOut">
               <a:rPr lang="es-CO" smtClean="0"/>
-              <a:t>24/05/2025</a:t>
+              <a:t>25/05/2025</a:t>
             </a:fld>
             <a:endParaRPr lang="es-CO"/>
           </a:p>
@@ -3361,7 +3377,7 @@
           <a:p>
             <a:fld id="{5D7C6876-A6E7-1843-987D-7573B8E4B848}" type="datetimeFigureOut">
               <a:rPr lang="es-CO" smtClean="0"/>
-              <a:t>24/05/2025</a:t>
+              <a:t>25/05/2025</a:t>
             </a:fld>
             <a:endParaRPr lang="es-CO"/>
           </a:p>
@@ -3707,7 +3723,7 @@
           <a:p>
             <a:fld id="{5D7C6876-A6E7-1843-987D-7573B8E4B848}" type="datetimeFigureOut">
               <a:rPr lang="es-CO" smtClean="0"/>
-              <a:t>24/05/2025</a:t>
+              <a:t>25/05/2025</a:t>
             </a:fld>
             <a:endParaRPr lang="es-CO"/>
           </a:p>
@@ -4254,7 +4270,7 @@
           <a:p>
             <a:fld id="{5D7C6876-A6E7-1843-987D-7573B8E4B848}" type="datetimeFigureOut">
               <a:rPr lang="es-CO" smtClean="0"/>
-              <a:t>24/05/2025</a:t>
+              <a:t>25/05/2025</a:t>
             </a:fld>
             <a:endParaRPr lang="es-CO"/>
           </a:p>
@@ -4599,7 +4615,7 @@
           <a:p>
             <a:fld id="{5D7C6876-A6E7-1843-987D-7573B8E4B848}" type="datetimeFigureOut">
               <a:rPr lang="es-CO" smtClean="0"/>
-              <a:t>24/05/2025</a:t>
+              <a:t>25/05/2025</a:t>
             </a:fld>
             <a:endParaRPr lang="es-CO"/>
           </a:p>
@@ -4973,7 +4989,7 @@
           <a:p>
             <a:fld id="{5D7C6876-A6E7-1843-987D-7573B8E4B848}" type="datetimeFigureOut">
               <a:rPr lang="es-CO" smtClean="0"/>
-              <a:t>24/05/2025</a:t>
+              <a:t>25/05/2025</a:t>
             </a:fld>
             <a:endParaRPr lang="es-CO"/>
           </a:p>
@@ -5340,7 +5356,7 @@
           <a:p>
             <a:fld id="{99C80EB1-3F7A-44A9-BF6E-5E1E469E7BE5}" type="datetimeFigureOut">
               <a:rPr lang="en-US" smtClean="0"/>
-              <a:t>5/24/2025</a:t>
+              <a:t>5/25/2025</a:t>
             </a:fld>
             <a:endParaRPr lang="en-US"/>
           </a:p>
@@ -5644,7 +5660,7 @@
           <a:p>
             <a:fld id="{99C80EB1-3F7A-44A9-BF6E-5E1E469E7BE5}" type="datetimeFigureOut">
               <a:rPr lang="en-US" smtClean="0"/>
-              <a:t>5/24/2025</a:t>
+              <a:t>5/25/2025</a:t>
             </a:fld>
             <a:endParaRPr lang="en-US"/>
           </a:p>
@@ -5964,7 +5980,7 @@
           <a:p>
             <a:fld id="{5D7C6876-A6E7-1843-987D-7573B8E4B848}" type="datetimeFigureOut">
               <a:rPr lang="es-CO" smtClean="0"/>
-              <a:t>24/05/2025</a:t>
+              <a:t>25/05/2025</a:t>
             </a:fld>
             <a:endParaRPr lang="es-CO"/>
           </a:p>
@@ -6291,7 +6307,7 @@
           <a:p>
             <a:fld id="{99C80EB1-3F7A-44A9-BF6E-5E1E469E7BE5}" type="datetimeFigureOut">
               <a:rPr lang="en-US" smtClean="0"/>
-              <a:t>5/24/2025</a:t>
+              <a:t>5/25/2025</a:t>
             </a:fld>
             <a:endParaRPr lang="en-US"/>
           </a:p>
@@ -6556,7 +6572,7 @@
           <a:p>
             <a:fld id="{99C80EB1-3F7A-44A9-BF6E-5E1E469E7BE5}" type="datetimeFigureOut">
               <a:rPr lang="en-US" smtClean="0"/>
-              <a:t>5/24/2025</a:t>
+              <a:t>5/25/2025</a:t>
             </a:fld>
             <a:endParaRPr lang="en-US"/>
           </a:p>
@@ -6968,7 +6984,7 @@
           <a:p>
             <a:fld id="{99C80EB1-3F7A-44A9-BF6E-5E1E469E7BE5}" type="datetimeFigureOut">
               <a:rPr lang="en-US" smtClean="0"/>
-              <a:t>5/24/2025</a:t>
+              <a:t>5/25/2025</a:t>
             </a:fld>
             <a:endParaRPr lang="en-US"/>
           </a:p>
@@ -7109,7 +7125,7 @@
           <a:p>
             <a:fld id="{99C80EB1-3F7A-44A9-BF6E-5E1E469E7BE5}" type="datetimeFigureOut">
               <a:rPr lang="en-US" smtClean="0"/>
-              <a:t>5/24/2025</a:t>
+              <a:t>5/25/2025</a:t>
             </a:fld>
             <a:endParaRPr lang="en-US"/>
           </a:p>
@@ -7222,7 +7238,7 @@
           <a:p>
             <a:fld id="{99C80EB1-3F7A-44A9-BF6E-5E1E469E7BE5}" type="datetimeFigureOut">
               <a:rPr lang="en-US" smtClean="0"/>
-              <a:t>5/24/2025</a:t>
+              <a:t>5/25/2025</a:t>
             </a:fld>
             <a:endParaRPr lang="en-US"/>
           </a:p>
@@ -7533,7 +7549,7 @@
           <a:p>
             <a:fld id="{99C80EB1-3F7A-44A9-BF6E-5E1E469E7BE5}" type="datetimeFigureOut">
               <a:rPr lang="en-US" smtClean="0"/>
-              <a:t>5/24/2025</a:t>
+              <a:t>5/25/2025</a:t>
             </a:fld>
             <a:endParaRPr lang="en-US"/>
           </a:p>
@@ -7824,7 +7840,7 @@
           <a:p>
             <a:fld id="{99C80EB1-3F7A-44A9-BF6E-5E1E469E7BE5}" type="datetimeFigureOut">
               <a:rPr lang="en-US" smtClean="0"/>
-              <a:t>5/24/2025</a:t>
+              <a:t>5/25/2025</a:t>
             </a:fld>
             <a:endParaRPr lang="en-US"/>
           </a:p>
@@ -8022,7 +8038,7 @@
           <a:p>
             <a:fld id="{99C80EB1-3F7A-44A9-BF6E-5E1E469E7BE5}" type="datetimeFigureOut">
               <a:rPr lang="en-US" smtClean="0"/>
-              <a:t>5/24/2025</a:t>
+              <a:t>5/25/2025</a:t>
             </a:fld>
             <a:endParaRPr lang="en-US"/>
           </a:p>
@@ -8230,7 +8246,7 @@
           <a:p>
             <a:fld id="{99C80EB1-3F7A-44A9-BF6E-5E1E469E7BE5}" type="datetimeFigureOut">
               <a:rPr lang="en-US" smtClean="0"/>
-              <a:t>5/24/2025</a:t>
+              <a:t>5/25/2025</a:t>
             </a:fld>
             <a:endParaRPr lang="en-US"/>
           </a:p>
@@ -8530,7 +8546,7 @@
           <a:p>
             <a:fld id="{99C80EB1-3F7A-44A9-BF6E-5E1E469E7BE5}" type="datetimeFigureOut">
               <a:rPr lang="en-US" smtClean="0"/>
-              <a:t>5/24/2025</a:t>
+              <a:t>5/25/2025</a:t>
             </a:fld>
             <a:endParaRPr lang="en-US"/>
           </a:p>
@@ -8951,7 +8967,7 @@
           <a:p>
             <a:fld id="{5D7C6876-A6E7-1843-987D-7573B8E4B848}" type="datetimeFigureOut">
               <a:rPr lang="es-CO" smtClean="0"/>
-              <a:t>24/05/2025</a:t>
+              <a:t>25/05/2025</a:t>
             </a:fld>
             <a:endParaRPr lang="es-CO"/>
           </a:p>
@@ -9078,7 +9094,7 @@
           <a:p>
             <a:fld id="{99C80EB1-3F7A-44A9-BF6E-5E1E469E7BE5}" type="datetimeFigureOut">
               <a:rPr lang="en-US" smtClean="0"/>
-              <a:t>5/24/2025</a:t>
+              <a:t>5/25/2025</a:t>
             </a:fld>
             <a:endParaRPr lang="en-US"/>
           </a:p>
@@ -9445,7 +9461,7 @@
           <a:p>
             <a:fld id="{99C80EB1-3F7A-44A9-BF6E-5E1E469E7BE5}" type="datetimeFigureOut">
               <a:rPr lang="en-US" smtClean="0"/>
-              <a:t>5/24/2025</a:t>
+              <a:t>5/25/2025</a:t>
             </a:fld>
             <a:endParaRPr lang="en-US"/>
           </a:p>
@@ -9749,7 +9765,7 @@
           <a:p>
             <a:fld id="{99C80EB1-3F7A-44A9-BF6E-5E1E469E7BE5}" type="datetimeFigureOut">
               <a:rPr lang="en-US" smtClean="0"/>
-              <a:t>5/24/2025</a:t>
+              <a:t>5/25/2025</a:t>
             </a:fld>
             <a:endParaRPr lang="en-US"/>
           </a:p>
@@ -10076,7 +10092,7 @@
           <a:p>
             <a:fld id="{99C80EB1-3F7A-44A9-BF6E-5E1E469E7BE5}" type="datetimeFigureOut">
               <a:rPr lang="en-US" smtClean="0"/>
-              <a:t>5/24/2025</a:t>
+              <a:t>5/25/2025</a:t>
             </a:fld>
             <a:endParaRPr lang="en-US"/>
           </a:p>
@@ -10341,7 +10357,7 @@
           <a:p>
             <a:fld id="{99C80EB1-3F7A-44A9-BF6E-5E1E469E7BE5}" type="datetimeFigureOut">
               <a:rPr lang="en-US" smtClean="0"/>
-              <a:t>5/24/2025</a:t>
+              <a:t>5/25/2025</a:t>
             </a:fld>
             <a:endParaRPr lang="en-US"/>
           </a:p>
@@ -10753,7 +10769,7 @@
           <a:p>
             <a:fld id="{99C80EB1-3F7A-44A9-BF6E-5E1E469E7BE5}" type="datetimeFigureOut">
               <a:rPr lang="en-US" smtClean="0"/>
-              <a:t>5/24/2025</a:t>
+              <a:t>5/25/2025</a:t>
             </a:fld>
             <a:endParaRPr lang="en-US"/>
           </a:p>
@@ -10894,7 +10910,7 @@
           <a:p>
             <a:fld id="{99C80EB1-3F7A-44A9-BF6E-5E1E469E7BE5}" type="datetimeFigureOut">
               <a:rPr lang="en-US" smtClean="0"/>
-              <a:t>5/24/2025</a:t>
+              <a:t>5/25/2025</a:t>
             </a:fld>
             <a:endParaRPr lang="en-US"/>
           </a:p>
@@ -11007,7 +11023,7 @@
           <a:p>
             <a:fld id="{99C80EB1-3F7A-44A9-BF6E-5E1E469E7BE5}" type="datetimeFigureOut">
               <a:rPr lang="en-US" smtClean="0"/>
-              <a:t>5/24/2025</a:t>
+              <a:t>5/25/2025</a:t>
             </a:fld>
             <a:endParaRPr lang="en-US"/>
           </a:p>
@@ -11318,7 +11334,7 @@
           <a:p>
             <a:fld id="{99C80EB1-3F7A-44A9-BF6E-5E1E469E7BE5}" type="datetimeFigureOut">
               <a:rPr lang="en-US" smtClean="0"/>
-              <a:t>5/24/2025</a:t>
+              <a:t>5/25/2025</a:t>
             </a:fld>
             <a:endParaRPr lang="en-US"/>
           </a:p>
@@ -11609,7 +11625,7 @@
           <a:p>
             <a:fld id="{99C80EB1-3F7A-44A9-BF6E-5E1E469E7BE5}" type="datetimeFigureOut">
               <a:rPr lang="en-US" smtClean="0"/>
-              <a:t>5/24/2025</a:t>
+              <a:t>5/25/2025</a:t>
             </a:fld>
             <a:endParaRPr lang="en-US"/>
           </a:p>
@@ -11874,7 +11890,7 @@
           <a:p>
             <a:fld id="{5D7C6876-A6E7-1843-987D-7573B8E4B848}" type="datetimeFigureOut">
               <a:rPr lang="es-CO" smtClean="0"/>
-              <a:t>24/05/2025</a:t>
+              <a:t>25/05/2025</a:t>
             </a:fld>
             <a:endParaRPr lang="es-CO"/>
           </a:p>
@@ -12072,7 +12088,7 @@
           <a:p>
             <a:fld id="{99C80EB1-3F7A-44A9-BF6E-5E1E469E7BE5}" type="datetimeFigureOut">
               <a:rPr lang="en-US" smtClean="0"/>
-              <a:t>5/24/2025</a:t>
+              <a:t>5/25/2025</a:t>
             </a:fld>
             <a:endParaRPr lang="en-US"/>
           </a:p>
@@ -12280,7 +12296,7 @@
           <a:p>
             <a:fld id="{99C80EB1-3F7A-44A9-BF6E-5E1E469E7BE5}" type="datetimeFigureOut">
               <a:rPr lang="en-US" smtClean="0"/>
-              <a:t>5/24/2025</a:t>
+              <a:t>5/25/2025</a:t>
             </a:fld>
             <a:endParaRPr lang="en-US"/>
           </a:p>
@@ -12580,7 +12596,7 @@
           <a:p>
             <a:fld id="{99C80EB1-3F7A-44A9-BF6E-5E1E469E7BE5}" type="datetimeFigureOut">
               <a:rPr lang="en-US" smtClean="0"/>
-              <a:t>5/24/2025</a:t>
+              <a:t>5/25/2025</a:t>
             </a:fld>
             <a:endParaRPr lang="en-US"/>
           </a:p>
@@ -13138,7 +13154,7 @@
           <a:p>
             <a:fld id="{5D7C6876-A6E7-1843-987D-7573B8E4B848}" type="datetimeFigureOut">
               <a:rPr lang="es-CO" smtClean="0"/>
-              <a:t>24/05/2025</a:t>
+              <a:t>25/05/2025</a:t>
             </a:fld>
             <a:endParaRPr lang="es-CO"/>
           </a:p>
@@ -13279,7 +13295,7 @@
           <a:p>
             <a:fld id="{5D7C6876-A6E7-1843-987D-7573B8E4B848}" type="datetimeFigureOut">
               <a:rPr lang="es-CO" smtClean="0"/>
-              <a:t>24/05/2025</a:t>
+              <a:t>25/05/2025</a:t>
             </a:fld>
             <a:endParaRPr lang="es-CO"/>
           </a:p>
@@ -13392,7 +13408,7 @@
           <a:p>
             <a:fld id="{5D7C6876-A6E7-1843-987D-7573B8E4B848}" type="datetimeFigureOut">
               <a:rPr lang="es-CO" smtClean="0"/>
-              <a:t>24/05/2025</a:t>
+              <a:t>25/05/2025</a:t>
             </a:fld>
             <a:endParaRPr lang="es-CO"/>
           </a:p>
@@ -13703,7 +13719,7 @@
           <a:p>
             <a:fld id="{5D7C6876-A6E7-1843-987D-7573B8E4B848}" type="datetimeFigureOut">
               <a:rPr lang="es-CO" smtClean="0"/>
-              <a:t>24/05/2025</a:t>
+              <a:t>25/05/2025</a:t>
             </a:fld>
             <a:endParaRPr lang="es-CO"/>
           </a:p>
@@ -13994,7 +14010,7 @@
           <a:p>
             <a:fld id="{5D7C6876-A6E7-1843-987D-7573B8E4B848}" type="datetimeFigureOut">
               <a:rPr lang="es-CO" smtClean="0"/>
-              <a:t>24/05/2025</a:t>
+              <a:t>25/05/2025</a:t>
             </a:fld>
             <a:endParaRPr lang="es-CO"/>
           </a:p>
@@ -14235,7 +14251,7 @@
           <a:p>
             <a:fld id="{5D7C6876-A6E7-1843-987D-7573B8E4B848}" type="datetimeFigureOut">
               <a:rPr lang="es-CO" smtClean="0"/>
-              <a:t>24/05/2025</a:t>
+              <a:t>25/05/2025</a:t>
             </a:fld>
             <a:endParaRPr lang="es-CO"/>
           </a:p>
@@ -14825,7 +14841,7 @@
           <a:p>
             <a:fld id="{99C80EB1-3F7A-44A9-BF6E-5E1E469E7BE5}" type="datetimeFigureOut">
               <a:rPr lang="en-US" smtClean="0"/>
-              <a:t>5/24/2025</a:t>
+              <a:t>5/25/2025</a:t>
             </a:fld>
             <a:endParaRPr lang="en-US"/>
           </a:p>
@@ -15411,7 +15427,7 @@
           <a:p>
             <a:fld id="{99C80EB1-3F7A-44A9-BF6E-5E1E469E7BE5}" type="datetimeFigureOut">
               <a:rPr lang="en-US" smtClean="0"/>
-              <a:t>5/24/2025</a:t>
+              <a:t>5/25/2025</a:t>
             </a:fld>
             <a:endParaRPr lang="en-US"/>
           </a:p>
@@ -18778,6 +18794,15 @@
 </file>
 
 <file path=customXml/item1.xml><?xml version="1.0" encoding="utf-8"?>
+<?mso-contentType ?>
+<FormTemplates xmlns="http://schemas.microsoft.com/sharepoint/v3/contenttype/forms">
+  <Display>DocumentLibraryForm</Display>
+  <Edit>DocumentLibraryForm</Edit>
+  <New>DocumentLibraryForm</New>
+</FormTemplates>
+</file>
+
+<file path=customXml/item2.xml><?xml version="1.0" encoding="utf-8"?>
 <ct:contentTypeSchema xmlns:ct="http://schemas.microsoft.com/office/2006/metadata/contentType" xmlns:ma="http://schemas.microsoft.com/office/2006/metadata/properties/metaAttributes" ct:_="" ma:_="" ma:contentTypeName="Document" ma:contentTypeID="0x010100DD885558AB6A744F858F199523AA4F79" ma:contentTypeVersion="14" ma:contentTypeDescription="Create a new document." ma:contentTypeScope="" ma:versionID="0d7e2d77a35f50d24e5cfea0c15e27e2">
   <xsd:schema xmlns:xsd="http://www.w3.org/2001/XMLSchema" xmlns:xs="http://www.w3.org/2001/XMLSchema" xmlns:p="http://schemas.microsoft.com/office/2006/metadata/properties" xmlns:ns2="986c2aee-ed5d-4f8c-9a97-a123ff0f41d6" xmlns:ns3="3dc4ad75-eb7a-4335-b796-582b00f977f8" targetNamespace="http://schemas.microsoft.com/office/2006/metadata/properties" ma:root="true" ma:fieldsID="98180309d84f6e93ca95db4211fcb1fe" ns2:_="" ns3:_="">
     <xsd:import namespace="986c2aee-ed5d-4f8c-9a97-a123ff0f41d6"/>
@@ -18986,15 +19011,6 @@
 </ct:contentTypeSchema>
 </file>
 
-<file path=customXml/item2.xml><?xml version="1.0" encoding="utf-8"?>
-<?mso-contentType ?>
-<FormTemplates xmlns="http://schemas.microsoft.com/sharepoint/v3/contenttype/forms">
-  <Display>DocumentLibraryForm</Display>
-  <Edit>DocumentLibraryForm</Edit>
-  <New>DocumentLibraryForm</New>
-</FormTemplates>
-</file>
-
 <file path=customXml/item3.xml><?xml version="1.0" encoding="utf-8"?>
 <p:properties xmlns:p="http://schemas.microsoft.com/office/2006/metadata/properties" xmlns:xsi="http://www.w3.org/2001/XMLSchema-instance" xmlns:pc="http://schemas.microsoft.com/office/infopath/2007/PartnerControls">
   <documentManagement>
@@ -19007,6 +19023,14 @@
 </file>
 
 <file path=customXml/itemProps1.xml><?xml version="1.0" encoding="utf-8"?>
+<ds:datastoreItem xmlns:ds="http://schemas.openxmlformats.org/officeDocument/2006/customXml" ds:itemID="{54B8C7C7-268A-471B-B609-F14FCD4C456D}">
+  <ds:schemaRefs>
+    <ds:schemaRef ds:uri="http://schemas.microsoft.com/sharepoint/v3/contenttype/forms"/>
+  </ds:schemaRefs>
+</ds:datastoreItem>
+</file>
+
+<file path=customXml/itemProps2.xml><?xml version="1.0" encoding="utf-8"?>
 <ds:datastoreItem xmlns:ds="http://schemas.openxmlformats.org/officeDocument/2006/customXml" ds:itemID="{716BFC68-38EA-4C0C-85FC-6CF4D3E55561}">
   <ds:schemaRefs>
     <ds:schemaRef ds:uri="http://schemas.microsoft.com/office/2006/metadata/contentType"/>
@@ -19021,14 +19045,6 @@
     <ds:schemaRef ds:uri="http://purl.org/dc/elements/1.1/"/>
     <ds:schemaRef ds:uri="http://purl.org/dc/terms/"/>
     <ds:schemaRef ds:uri="http://schemas.microsoft.com/internal/obd"/>
-  </ds:schemaRefs>
-</ds:datastoreItem>
-</file>
-
-<file path=customXml/itemProps2.xml><?xml version="1.0" encoding="utf-8"?>
-<ds:datastoreItem xmlns:ds="http://schemas.openxmlformats.org/officeDocument/2006/customXml" ds:itemID="{54B8C7C7-268A-471B-B609-F14FCD4C456D}">
-  <ds:schemaRefs>
-    <ds:schemaRef ds:uri="http://schemas.microsoft.com/sharepoint/v3/contenttype/forms"/>
   </ds:schemaRefs>
 </ds:datastoreItem>
 </file>
